--- a/img/solution-architecture.pptx
+++ b/img/solution-architecture.pptx
@@ -259,7 +259,7 @@
           <a:p>
             <a:fld id="{99F2556A-C788-4B3D-9473-A1FE8FD32F0F}" type="datetimeFigureOut">
               <a:rPr lang="en-US" smtClean="0"/>
-              <a:t>9/7/2023</a:t>
+              <a:t>10/8/2023</a:t>
             </a:fld>
             <a:endParaRPr lang="en-US"/>
           </a:p>
@@ -457,7 +457,7 @@
           <a:p>
             <a:fld id="{99F2556A-C788-4B3D-9473-A1FE8FD32F0F}" type="datetimeFigureOut">
               <a:rPr lang="en-US" smtClean="0"/>
-              <a:t>9/7/2023</a:t>
+              <a:t>10/8/2023</a:t>
             </a:fld>
             <a:endParaRPr lang="en-US"/>
           </a:p>
@@ -665,7 +665,7 @@
           <a:p>
             <a:fld id="{99F2556A-C788-4B3D-9473-A1FE8FD32F0F}" type="datetimeFigureOut">
               <a:rPr lang="en-US" smtClean="0"/>
-              <a:t>9/7/2023</a:t>
+              <a:t>10/8/2023</a:t>
             </a:fld>
             <a:endParaRPr lang="en-US"/>
           </a:p>
@@ -863,7 +863,7 @@
           <a:p>
             <a:fld id="{99F2556A-C788-4B3D-9473-A1FE8FD32F0F}" type="datetimeFigureOut">
               <a:rPr lang="en-US" smtClean="0"/>
-              <a:t>9/7/2023</a:t>
+              <a:t>10/8/2023</a:t>
             </a:fld>
             <a:endParaRPr lang="en-US"/>
           </a:p>
@@ -1138,7 +1138,7 @@
           <a:p>
             <a:fld id="{99F2556A-C788-4B3D-9473-A1FE8FD32F0F}" type="datetimeFigureOut">
               <a:rPr lang="en-US" smtClean="0"/>
-              <a:t>9/7/2023</a:t>
+              <a:t>10/8/2023</a:t>
             </a:fld>
             <a:endParaRPr lang="en-US"/>
           </a:p>
@@ -1403,7 +1403,7 @@
           <a:p>
             <a:fld id="{99F2556A-C788-4B3D-9473-A1FE8FD32F0F}" type="datetimeFigureOut">
               <a:rPr lang="en-US" smtClean="0"/>
-              <a:t>9/7/2023</a:t>
+              <a:t>10/8/2023</a:t>
             </a:fld>
             <a:endParaRPr lang="en-US"/>
           </a:p>
@@ -1815,7 +1815,7 @@
           <a:p>
             <a:fld id="{99F2556A-C788-4B3D-9473-A1FE8FD32F0F}" type="datetimeFigureOut">
               <a:rPr lang="en-US" smtClean="0"/>
-              <a:t>9/7/2023</a:t>
+              <a:t>10/8/2023</a:t>
             </a:fld>
             <a:endParaRPr lang="en-US"/>
           </a:p>
@@ -1956,7 +1956,7 @@
           <a:p>
             <a:fld id="{99F2556A-C788-4B3D-9473-A1FE8FD32F0F}" type="datetimeFigureOut">
               <a:rPr lang="en-US" smtClean="0"/>
-              <a:t>9/7/2023</a:t>
+              <a:t>10/8/2023</a:t>
             </a:fld>
             <a:endParaRPr lang="en-US"/>
           </a:p>
@@ -2069,7 +2069,7 @@
           <a:p>
             <a:fld id="{99F2556A-C788-4B3D-9473-A1FE8FD32F0F}" type="datetimeFigureOut">
               <a:rPr lang="en-US" smtClean="0"/>
-              <a:t>9/7/2023</a:t>
+              <a:t>10/8/2023</a:t>
             </a:fld>
             <a:endParaRPr lang="en-US"/>
           </a:p>
@@ -2380,7 +2380,7 @@
           <a:p>
             <a:fld id="{99F2556A-C788-4B3D-9473-A1FE8FD32F0F}" type="datetimeFigureOut">
               <a:rPr lang="en-US" smtClean="0"/>
-              <a:t>9/7/2023</a:t>
+              <a:t>10/8/2023</a:t>
             </a:fld>
             <a:endParaRPr lang="en-US"/>
           </a:p>
@@ -2668,7 +2668,7 @@
           <a:p>
             <a:fld id="{99F2556A-C788-4B3D-9473-A1FE8FD32F0F}" type="datetimeFigureOut">
               <a:rPr lang="en-US" smtClean="0"/>
-              <a:t>9/7/2023</a:t>
+              <a:t>10/8/2023</a:t>
             </a:fld>
             <a:endParaRPr lang="en-US"/>
           </a:p>
@@ -2909,7 +2909,7 @@
           <a:p>
             <a:fld id="{99F2556A-C788-4B3D-9473-A1FE8FD32F0F}" type="datetimeFigureOut">
               <a:rPr lang="en-US" smtClean="0"/>
-              <a:t>9/7/2023</a:t>
+              <a:t>10/8/2023</a:t>
             </a:fld>
             <a:endParaRPr lang="en-US"/>
           </a:p>
@@ -3497,9 +3497,9 @@
         <p:grpSpPr>
           <a:xfrm>
             <a:off x="5849381" y="2814036"/>
-            <a:ext cx="2023311" cy="1063867"/>
+            <a:ext cx="2023311" cy="1402422"/>
             <a:chOff x="5989861" y="1576334"/>
-            <a:chExt cx="2556574" cy="1344259"/>
+            <a:chExt cx="2556574" cy="1772043"/>
           </a:xfrm>
         </p:grpSpPr>
         <p:pic>
@@ -3556,7 +3556,7 @@
           <p:spPr>
             <a:xfrm>
               <a:off x="5989861" y="2162250"/>
-              <a:ext cx="2556574" cy="758343"/>
+              <a:ext cx="2556574" cy="1186127"/>
             </a:xfrm>
             <a:prstGeom prst="rect">
               <a:avLst/>
@@ -3587,6 +3587,20 @@
               <a:r>
                 <a:rPr lang="en-US" sz="1100" b="1" dirty="0"/>
                 <a:t>Azure Kubernetes Service (AKS)</a:t>
+              </a:r>
+              <a:br>
+                <a:rPr lang="en-US" sz="1100" b="1" dirty="0"/>
+              </a:br>
+              <a:r>
+                <a:rPr lang="en-US" sz="1100" b="1" dirty="0"/>
+                <a:t>or</a:t>
+              </a:r>
+              <a:br>
+                <a:rPr lang="en-US" sz="1100" b="1" dirty="0"/>
+              </a:br>
+              <a:r>
+                <a:rPr lang="en-US" sz="1100" b="1" dirty="0"/>
+                <a:t>Azure Container Apps (ACA)</a:t>
               </a:r>
             </a:p>
           </p:txBody>
@@ -4592,6 +4606,458 @@
           </a:prstGeom>
         </p:spPr>
       </p:pic>
+      <p:grpSp>
+        <p:nvGrpSpPr>
+          <p:cNvPr id="7" name="Group 6">
+            <a:extLst>
+              <a:ext uri="{FF2B5EF4-FFF2-40B4-BE49-F238E27FC236}">
+                <a16:creationId xmlns:a16="http://schemas.microsoft.com/office/drawing/2014/main" id="{9A098420-225A-27CA-696D-BD3121C1BEE8}"/>
+              </a:ext>
+            </a:extLst>
+          </p:cNvPr>
+          <p:cNvGrpSpPr/>
+          <p:nvPr/>
+        </p:nvGrpSpPr>
+        <p:grpSpPr>
+          <a:xfrm>
+            <a:off x="6255902" y="1372322"/>
+            <a:ext cx="1202572" cy="996786"/>
+            <a:chOff x="6259747" y="1548680"/>
+            <a:chExt cx="1202572" cy="996786"/>
+          </a:xfrm>
+        </p:grpSpPr>
+        <p:pic>
+          <p:nvPicPr>
+            <p:cNvPr id="5" name="Graphic 4">
+              <a:extLst>
+                <a:ext uri="{FF2B5EF4-FFF2-40B4-BE49-F238E27FC236}">
+                  <a16:creationId xmlns:a16="http://schemas.microsoft.com/office/drawing/2014/main" id="{CABB9FF1-0E4E-B391-225A-27FA26AB441D}"/>
+                </a:ext>
+              </a:extLst>
+            </p:cNvPr>
+            <p:cNvPicPr>
+              <a:picLocks noChangeAspect="1"/>
+            </p:cNvPicPr>
+            <p:nvPr/>
+          </p:nvPicPr>
+          <p:blipFill>
+            <a:blip r:embed="rId20">
+              <a:extLst>
+                <a:ext uri="{28A0092B-C50C-407E-A947-70E740481C1C}">
+                  <a14:useLocalDpi xmlns:a14="http://schemas.microsoft.com/office/drawing/2010/main" val="0"/>
+                </a:ext>
+                <a:ext uri="{96DAC541-7B7A-43D3-8B79-37D633B846F1}">
+                  <asvg:svgBlip xmlns:asvg="http://schemas.microsoft.com/office/drawing/2016/SVG/main" r:embed="rId21"/>
+                </a:ext>
+              </a:extLst>
+            </a:blip>
+            <a:stretch>
+              <a:fillRect/>
+            </a:stretch>
+          </p:blipFill>
+          <p:spPr>
+            <a:xfrm>
+              <a:off x="6648708" y="1548680"/>
+              <a:ext cx="416960" cy="416960"/>
+            </a:xfrm>
+            <a:prstGeom prst="rect">
+              <a:avLst/>
+            </a:prstGeom>
+          </p:spPr>
+        </p:pic>
+        <p:sp>
+          <p:nvSpPr>
+            <p:cNvPr id="6" name="TextBox 5">
+              <a:extLst>
+                <a:ext uri="{FF2B5EF4-FFF2-40B4-BE49-F238E27FC236}">
+                  <a16:creationId xmlns:a16="http://schemas.microsoft.com/office/drawing/2014/main" id="{0313B9A6-93D5-E7E7-F611-714B209B9243}"/>
+                </a:ext>
+              </a:extLst>
+            </p:cNvPr>
+            <p:cNvSpPr txBox="1"/>
+            <p:nvPr/>
+          </p:nvSpPr>
+          <p:spPr>
+            <a:xfrm>
+              <a:off x="6259747" y="1945302"/>
+              <a:ext cx="1202572" cy="600164"/>
+            </a:xfrm>
+            <a:prstGeom prst="rect">
+              <a:avLst/>
+            </a:prstGeom>
+            <a:noFill/>
+          </p:spPr>
+          <p:txBody>
+            <a:bodyPr wrap="none" rtlCol="0">
+              <a:spAutoFit/>
+            </a:bodyPr>
+            <a:lstStyle/>
+            <a:p>
+              <a:pPr algn="ctr"/>
+              <a:r>
+                <a:rPr lang="en-US" sz="1100" dirty="0"/>
+                <a:t>Claims Ingestion /</a:t>
+              </a:r>
+              <a:br>
+                <a:rPr lang="en-US" sz="1100" dirty="0"/>
+              </a:br>
+              <a:r>
+                <a:rPr lang="en-US" sz="1100" dirty="0"/>
+                <a:t>Claims Events</a:t>
+              </a:r>
+            </a:p>
+            <a:p>
+              <a:pPr algn="ctr"/>
+              <a:r>
+                <a:rPr lang="en-US" sz="1100" b="1" dirty="0"/>
+                <a:t>Event Hubs</a:t>
+              </a:r>
+            </a:p>
+          </p:txBody>
+        </p:sp>
+      </p:grpSp>
+      <p:cxnSp>
+        <p:nvCxnSpPr>
+          <p:cNvPr id="8" name="Connector: Elbow 47">
+            <a:extLst>
+              <a:ext uri="{FF2B5EF4-FFF2-40B4-BE49-F238E27FC236}">
+                <a16:creationId xmlns:a16="http://schemas.microsoft.com/office/drawing/2014/main" id="{6124C606-8673-C9A5-A59F-30559A8DDEF8}"/>
+              </a:ext>
+            </a:extLst>
+          </p:cNvPr>
+          <p:cNvCxnSpPr>
+            <a:cxnSpLocks/>
+            <a:stCxn id="6" idx="2"/>
+          </p:cNvCxnSpPr>
+          <p:nvPr/>
+        </p:nvCxnSpPr>
+        <p:spPr>
+          <a:xfrm>
+            <a:off x="6857188" y="2369108"/>
+            <a:ext cx="3845" cy="429178"/>
+          </a:xfrm>
+          <a:prstGeom prst="straightConnector1">
+            <a:avLst/>
+          </a:prstGeom>
+          <a:ln w="12700">
+            <a:headEnd type="triangle" w="med" len="med"/>
+            <a:tailEnd type="triangle" w="med" len="med"/>
+          </a:ln>
+        </p:spPr>
+        <p:style>
+          <a:lnRef idx="1">
+            <a:schemeClr val="accent1"/>
+          </a:lnRef>
+          <a:fillRef idx="0">
+            <a:schemeClr val="accent1"/>
+          </a:fillRef>
+          <a:effectRef idx="0">
+            <a:schemeClr val="accent1"/>
+          </a:effectRef>
+          <a:fontRef idx="minor">
+            <a:schemeClr val="tx1"/>
+          </a:fontRef>
+        </p:style>
+      </p:cxnSp>
+      <p:cxnSp>
+        <p:nvCxnSpPr>
+          <p:cNvPr id="11" name="Connector: Elbow 47">
+            <a:extLst>
+              <a:ext uri="{FF2B5EF4-FFF2-40B4-BE49-F238E27FC236}">
+                <a16:creationId xmlns:a16="http://schemas.microsoft.com/office/drawing/2014/main" id="{15844391-523B-F0A7-19D0-A47E32527D5C}"/>
+              </a:ext>
+            </a:extLst>
+          </p:cNvPr>
+          <p:cNvCxnSpPr>
+            <a:cxnSpLocks/>
+          </p:cNvCxnSpPr>
+          <p:nvPr/>
+        </p:nvCxnSpPr>
+        <p:spPr>
+          <a:xfrm flipV="1">
+            <a:off x="7131866" y="1580967"/>
+            <a:ext cx="4372824" cy="11659"/>
+          </a:xfrm>
+          <a:prstGeom prst="straightConnector1">
+            <a:avLst/>
+          </a:prstGeom>
+          <a:ln w="12700">
+            <a:headEnd type="triangle" w="med" len="med"/>
+            <a:tailEnd type="triangle" w="med" len="med"/>
+          </a:ln>
+        </p:spPr>
+        <p:style>
+          <a:lnRef idx="1">
+            <a:schemeClr val="accent1"/>
+          </a:lnRef>
+          <a:fillRef idx="0">
+            <a:schemeClr val="accent1"/>
+          </a:fillRef>
+          <a:effectRef idx="0">
+            <a:schemeClr val="accent1"/>
+          </a:effectRef>
+          <a:fontRef idx="minor">
+            <a:schemeClr val="tx1"/>
+          </a:fontRef>
+        </p:style>
+      </p:cxnSp>
+      <p:grpSp>
+        <p:nvGrpSpPr>
+          <p:cNvPr id="22" name="Group 21">
+            <a:extLst>
+              <a:ext uri="{FF2B5EF4-FFF2-40B4-BE49-F238E27FC236}">
+                <a16:creationId xmlns:a16="http://schemas.microsoft.com/office/drawing/2014/main" id="{552017D4-0AC7-9B36-E0F7-587789616575}"/>
+              </a:ext>
+            </a:extLst>
+          </p:cNvPr>
+          <p:cNvGrpSpPr/>
+          <p:nvPr/>
+        </p:nvGrpSpPr>
+        <p:grpSpPr>
+          <a:xfrm>
+            <a:off x="11432941" y="1360247"/>
+            <a:ext cx="654345" cy="961219"/>
+            <a:chOff x="11432941" y="1360247"/>
+            <a:chExt cx="654345" cy="961219"/>
+          </a:xfrm>
+        </p:grpSpPr>
+        <p:pic>
+          <p:nvPicPr>
+            <p:cNvPr id="16" name="Graphic 15" descr="Server with solid fill">
+              <a:extLst>
+                <a:ext uri="{FF2B5EF4-FFF2-40B4-BE49-F238E27FC236}">
+                  <a16:creationId xmlns:a16="http://schemas.microsoft.com/office/drawing/2014/main" id="{C72843D8-A931-E9B3-7802-6785182E8F31}"/>
+                </a:ext>
+              </a:extLst>
+            </p:cNvPr>
+            <p:cNvPicPr>
+              <a:picLocks noChangeAspect="1"/>
+            </p:cNvPicPr>
+            <p:nvPr/>
+          </p:nvPicPr>
+          <p:blipFill>
+            <a:blip r:embed="rId22">
+              <a:extLst>
+                <a:ext uri="{28A0092B-C50C-407E-A947-70E740481C1C}">
+                  <a14:useLocalDpi xmlns:a14="http://schemas.microsoft.com/office/drawing/2010/main" val="0"/>
+                </a:ext>
+                <a:ext uri="{96DAC541-7B7A-43D3-8B79-37D633B846F1}">
+                  <asvg:svgBlip xmlns:asvg="http://schemas.microsoft.com/office/drawing/2016/SVG/main" r:embed="rId23"/>
+                </a:ext>
+              </a:extLst>
+            </a:blip>
+            <a:stretch>
+              <a:fillRect/>
+            </a:stretch>
+          </p:blipFill>
+          <p:spPr>
+            <a:xfrm>
+              <a:off x="11504690" y="1360247"/>
+              <a:ext cx="510843" cy="510843"/>
+            </a:xfrm>
+            <a:prstGeom prst="rect">
+              <a:avLst/>
+            </a:prstGeom>
+          </p:spPr>
+        </p:pic>
+        <p:sp>
+          <p:nvSpPr>
+            <p:cNvPr id="21" name="TextBox 20">
+              <a:extLst>
+                <a:ext uri="{FF2B5EF4-FFF2-40B4-BE49-F238E27FC236}">
+                  <a16:creationId xmlns:a16="http://schemas.microsoft.com/office/drawing/2014/main" id="{5E1ABD77-F41B-FC01-3144-2CDA6AB3FE83}"/>
+                </a:ext>
+              </a:extLst>
+            </p:cNvPr>
+            <p:cNvSpPr txBox="1"/>
+            <p:nvPr/>
+          </p:nvSpPr>
+          <p:spPr>
+            <a:xfrm>
+              <a:off x="11432941" y="1890579"/>
+              <a:ext cx="654345" cy="430887"/>
+            </a:xfrm>
+            <a:prstGeom prst="rect">
+              <a:avLst/>
+            </a:prstGeom>
+            <a:noFill/>
+          </p:spPr>
+          <p:txBody>
+            <a:bodyPr wrap="none" rtlCol="0">
+              <a:spAutoFit/>
+            </a:bodyPr>
+            <a:lstStyle/>
+            <a:p>
+              <a:pPr algn="ctr"/>
+              <a:r>
+                <a:rPr lang="en-US" sz="1100" dirty="0"/>
+                <a:t>External</a:t>
+              </a:r>
+              <a:br>
+                <a:rPr lang="en-US" sz="1100" dirty="0"/>
+              </a:br>
+              <a:r>
+                <a:rPr lang="en-US" sz="1100" dirty="0"/>
+                <a:t>System</a:t>
+              </a:r>
+              <a:endParaRPr lang="en-US" sz="1100" b="1" dirty="0"/>
+            </a:p>
+          </p:txBody>
+        </p:sp>
+      </p:grpSp>
+      <p:grpSp>
+        <p:nvGrpSpPr>
+          <p:cNvPr id="30" name="Group 29">
+            <a:extLst>
+              <a:ext uri="{FF2B5EF4-FFF2-40B4-BE49-F238E27FC236}">
+                <a16:creationId xmlns:a16="http://schemas.microsoft.com/office/drawing/2014/main" id="{CFFB0A4D-141C-ABED-8F1A-13DDC5C296F3}"/>
+              </a:ext>
+            </a:extLst>
+          </p:cNvPr>
+          <p:cNvGrpSpPr/>
+          <p:nvPr/>
+        </p:nvGrpSpPr>
+        <p:grpSpPr>
+          <a:xfrm>
+            <a:off x="1225744" y="2686997"/>
+            <a:ext cx="1598516" cy="1082304"/>
+            <a:chOff x="1391992" y="2686997"/>
+            <a:chExt cx="1598516" cy="1082304"/>
+          </a:xfrm>
+        </p:grpSpPr>
+        <p:pic>
+          <p:nvPicPr>
+            <p:cNvPr id="3" name="Graphic 2">
+              <a:extLst>
+                <a:ext uri="{FF2B5EF4-FFF2-40B4-BE49-F238E27FC236}">
+                  <a16:creationId xmlns:a16="http://schemas.microsoft.com/office/drawing/2014/main" id="{79274010-9EB5-8263-DB12-85711E0E162D}"/>
+                </a:ext>
+              </a:extLst>
+            </p:cNvPr>
+            <p:cNvPicPr>
+              <a:picLocks noChangeAspect="1"/>
+            </p:cNvPicPr>
+            <p:nvPr/>
+          </p:nvPicPr>
+          <p:blipFill>
+            <a:blip r:embed="rId24">
+              <a:extLst>
+                <a:ext uri="{28A0092B-C50C-407E-A947-70E740481C1C}">
+                  <a14:useLocalDpi xmlns:a14="http://schemas.microsoft.com/office/drawing/2010/main" val="0"/>
+                </a:ext>
+                <a:ext uri="{96DAC541-7B7A-43D3-8B79-37D633B846F1}">
+                  <asvg:svgBlip xmlns:asvg="http://schemas.microsoft.com/office/drawing/2016/SVG/main" r:embed="rId25"/>
+                </a:ext>
+              </a:extLst>
+            </a:blip>
+            <a:stretch>
+              <a:fillRect/>
+            </a:stretch>
+          </p:blipFill>
+          <p:spPr>
+            <a:xfrm>
+              <a:off x="1962649" y="2686997"/>
+              <a:ext cx="457200" cy="457200"/>
+            </a:xfrm>
+            <a:prstGeom prst="rect">
+              <a:avLst/>
+            </a:prstGeom>
+          </p:spPr>
+        </p:pic>
+        <p:sp>
+          <p:nvSpPr>
+            <p:cNvPr id="23" name="TextBox 22">
+              <a:extLst>
+                <a:ext uri="{FF2B5EF4-FFF2-40B4-BE49-F238E27FC236}">
+                  <a16:creationId xmlns:a16="http://schemas.microsoft.com/office/drawing/2014/main" id="{53506972-C23E-22E3-C590-1D6362090C9D}"/>
+                </a:ext>
+              </a:extLst>
+            </p:cNvPr>
+            <p:cNvSpPr txBox="1"/>
+            <p:nvPr/>
+          </p:nvSpPr>
+          <p:spPr>
+            <a:xfrm>
+              <a:off x="1391992" y="3169137"/>
+              <a:ext cx="1598516" cy="600164"/>
+            </a:xfrm>
+            <a:prstGeom prst="rect">
+              <a:avLst/>
+            </a:prstGeom>
+            <a:noFill/>
+          </p:spPr>
+          <p:txBody>
+            <a:bodyPr wrap="none" rtlCol="0">
+              <a:spAutoFit/>
+            </a:bodyPr>
+            <a:lstStyle/>
+            <a:p>
+              <a:pPr algn="ctr"/>
+              <a:r>
+                <a:rPr lang="en-US" sz="1100" dirty="0"/>
+                <a:t>Data Management /</a:t>
+              </a:r>
+              <a:br>
+                <a:rPr lang="en-US" sz="1100" dirty="0"/>
+              </a:br>
+              <a:r>
+                <a:rPr lang="en-US" sz="1100" dirty="0"/>
+                <a:t>Loading</a:t>
+              </a:r>
+            </a:p>
+            <a:p>
+              <a:pPr algn="ctr"/>
+              <a:r>
+                <a:rPr lang="en-US" sz="1100" b="1" dirty="0"/>
+                <a:t>Azure Synapse Analytics</a:t>
+              </a:r>
+            </a:p>
+          </p:txBody>
+        </p:sp>
+      </p:grpSp>
+      <p:cxnSp>
+        <p:nvCxnSpPr>
+          <p:cNvPr id="24" name="Connector: Elbow 23">
+            <a:extLst>
+              <a:ext uri="{FF2B5EF4-FFF2-40B4-BE49-F238E27FC236}">
+                <a16:creationId xmlns:a16="http://schemas.microsoft.com/office/drawing/2014/main" id="{2D2B3CBA-B204-EB2E-C635-252E60244ECD}"/>
+              </a:ext>
+            </a:extLst>
+          </p:cNvPr>
+          <p:cNvCxnSpPr>
+            <a:cxnSpLocks/>
+            <a:stCxn id="3" idx="3"/>
+            <a:endCxn id="26" idx="0"/>
+          </p:cNvCxnSpPr>
+          <p:nvPr/>
+        </p:nvCxnSpPr>
+        <p:spPr>
+          <a:xfrm>
+            <a:off x="2253601" y="2915597"/>
+            <a:ext cx="1498748" cy="683646"/>
+          </a:xfrm>
+          <a:prstGeom prst="bentConnector2">
+            <a:avLst/>
+          </a:prstGeom>
+          <a:ln w="12700">
+            <a:tailEnd type="triangle"/>
+          </a:ln>
+        </p:spPr>
+        <p:style>
+          <a:lnRef idx="1">
+            <a:schemeClr val="accent1"/>
+          </a:lnRef>
+          <a:fillRef idx="0">
+            <a:schemeClr val="accent1"/>
+          </a:fillRef>
+          <a:effectRef idx="0">
+            <a:schemeClr val="accent1"/>
+          </a:effectRef>
+          <a:fontRef idx="minor">
+            <a:schemeClr val="tx1"/>
+          </a:fontRef>
+        </p:style>
+      </p:cxnSp>
     </p:spTree>
     <p:extLst>
       <p:ext uri="{BB962C8B-B14F-4D97-AF65-F5344CB8AC3E}">
